--- a/experiment/materials/images/astronomy/astronomy.pptx
+++ b/experiment/materials/images/astronomy/astronomy.pptx
@@ -259,7 +259,7 @@
           <a:p>
             <a:fld id="{DA0EE935-E9AF-7B48-BD90-8AB4BA8C33E5}" type="datetimeFigureOut">
               <a:rPr lang="en-US" smtClean="0"/>
-              <a:t>1/8/21</a:t>
+              <a:t>1/10/21</a:t>
             </a:fld>
             <a:endParaRPr lang="en-US"/>
           </a:p>
@@ -429,7 +429,7 @@
           <a:p>
             <a:fld id="{DA0EE935-E9AF-7B48-BD90-8AB4BA8C33E5}" type="datetimeFigureOut">
               <a:rPr lang="en-US" smtClean="0"/>
-              <a:t>1/8/21</a:t>
+              <a:t>1/10/21</a:t>
             </a:fld>
             <a:endParaRPr lang="en-US"/>
           </a:p>
@@ -609,7 +609,7 @@
           <a:p>
             <a:fld id="{DA0EE935-E9AF-7B48-BD90-8AB4BA8C33E5}" type="datetimeFigureOut">
               <a:rPr lang="en-US" smtClean="0"/>
-              <a:t>1/8/21</a:t>
+              <a:t>1/10/21</a:t>
             </a:fld>
             <a:endParaRPr lang="en-US"/>
           </a:p>
@@ -779,7 +779,7 @@
           <a:p>
             <a:fld id="{DA0EE935-E9AF-7B48-BD90-8AB4BA8C33E5}" type="datetimeFigureOut">
               <a:rPr lang="en-US" smtClean="0"/>
-              <a:t>1/8/21</a:t>
+              <a:t>1/10/21</a:t>
             </a:fld>
             <a:endParaRPr lang="en-US"/>
           </a:p>
@@ -1025,7 +1025,7 @@
           <a:p>
             <a:fld id="{DA0EE935-E9AF-7B48-BD90-8AB4BA8C33E5}" type="datetimeFigureOut">
               <a:rPr lang="en-US" smtClean="0"/>
-              <a:t>1/8/21</a:t>
+              <a:t>1/10/21</a:t>
             </a:fld>
             <a:endParaRPr lang="en-US"/>
           </a:p>
@@ -1257,7 +1257,7 @@
           <a:p>
             <a:fld id="{DA0EE935-E9AF-7B48-BD90-8AB4BA8C33E5}" type="datetimeFigureOut">
               <a:rPr lang="en-US" smtClean="0"/>
-              <a:t>1/8/21</a:t>
+              <a:t>1/10/21</a:t>
             </a:fld>
             <a:endParaRPr lang="en-US"/>
           </a:p>
@@ -1624,7 +1624,7 @@
           <a:p>
             <a:fld id="{DA0EE935-E9AF-7B48-BD90-8AB4BA8C33E5}" type="datetimeFigureOut">
               <a:rPr lang="en-US" smtClean="0"/>
-              <a:t>1/8/21</a:t>
+              <a:t>1/10/21</a:t>
             </a:fld>
             <a:endParaRPr lang="en-US"/>
           </a:p>
@@ -1742,7 +1742,7 @@
           <a:p>
             <a:fld id="{DA0EE935-E9AF-7B48-BD90-8AB4BA8C33E5}" type="datetimeFigureOut">
               <a:rPr lang="en-US" smtClean="0"/>
-              <a:t>1/8/21</a:t>
+              <a:t>1/10/21</a:t>
             </a:fld>
             <a:endParaRPr lang="en-US"/>
           </a:p>
@@ -1837,7 +1837,7 @@
           <a:p>
             <a:fld id="{DA0EE935-E9AF-7B48-BD90-8AB4BA8C33E5}" type="datetimeFigureOut">
               <a:rPr lang="en-US" smtClean="0"/>
-              <a:t>1/8/21</a:t>
+              <a:t>1/10/21</a:t>
             </a:fld>
             <a:endParaRPr lang="en-US"/>
           </a:p>
@@ -2114,7 +2114,7 @@
           <a:p>
             <a:fld id="{DA0EE935-E9AF-7B48-BD90-8AB4BA8C33E5}" type="datetimeFigureOut">
               <a:rPr lang="en-US" smtClean="0"/>
-              <a:t>1/8/21</a:t>
+              <a:t>1/10/21</a:t>
             </a:fld>
             <a:endParaRPr lang="en-US"/>
           </a:p>
@@ -2371,7 +2371,7 @@
           <a:p>
             <a:fld id="{DA0EE935-E9AF-7B48-BD90-8AB4BA8C33E5}" type="datetimeFigureOut">
               <a:rPr lang="en-US" smtClean="0"/>
-              <a:t>1/8/21</a:t>
+              <a:t>1/10/21</a:t>
             </a:fld>
             <a:endParaRPr lang="en-US"/>
           </a:p>
@@ -2584,7 +2584,7 @@
           <a:p>
             <a:fld id="{DA0EE935-E9AF-7B48-BD90-8AB4BA8C33E5}" type="datetimeFigureOut">
               <a:rPr lang="en-US" smtClean="0"/>
-              <a:t>1/8/21</a:t>
+              <a:t>1/10/21</a:t>
             </a:fld>
             <a:endParaRPr lang="en-US"/>
           </a:p>
@@ -3053,7 +3053,7 @@
                 <a:ea typeface="Helvetica Neue Medium" panose="02000503000000020004" pitchFamily="2" charset="0"/>
                 <a:cs typeface="Helvetica Neue Medium" panose="02000503000000020004" pitchFamily="2" charset="0"/>
               </a:rPr>
-              <a:t>Density</a:t>
+              <a:t>Low density</a:t>
             </a:r>
           </a:p>
         </p:txBody>
@@ -3122,7 +3122,7 @@
                 <a:ea typeface="Helvetica Neue Medium" panose="02000503000000020004" pitchFamily="2" charset="0"/>
                 <a:cs typeface="Helvetica Neue Medium" panose="02000503000000020004" pitchFamily="2" charset="0"/>
               </a:rPr>
-              <a:t>Helium</a:t>
+              <a:t>Ionized helium</a:t>
             </a:r>
           </a:p>
         </p:txBody>
@@ -3320,6 +3320,17 @@
           <a:p>
             <a:pPr algn="ctr"/>
             <a:r>
+              <a:rPr lang="en-US" sz="1800" b="1">
+                <a:solidFill>
+                  <a:schemeClr val="tx1"/>
+                </a:solidFill>
+                <a:latin typeface="Helvetica" pitchFamily="2" charset="0"/>
+                <a:ea typeface="Helvetica Neue Medium" panose="02000503000000020004" pitchFamily="2" charset="0"/>
+                <a:cs typeface="Helvetica Neue Medium" panose="02000503000000020004" pitchFamily="2" charset="0"/>
+              </a:rPr>
+              <a:t>Unstable </a:t>
+            </a:r>
+            <a:r>
               <a:rPr lang="en-US" sz="1800" b="1" dirty="0">
                 <a:solidFill>
                   <a:schemeClr val="tx1"/>
@@ -3328,7 +3339,29 @@
                 <a:ea typeface="Helvetica Neue Medium" panose="02000503000000020004" pitchFamily="2" charset="0"/>
                 <a:cs typeface="Helvetica Neue Medium" panose="02000503000000020004" pitchFamily="2" charset="0"/>
               </a:rPr>
-              <a:t>Gravitational field</a:t>
+              <a:t>g</a:t>
+            </a:r>
+            <a:r>
+              <a:rPr lang="en-US" sz="1800" b="1">
+                <a:solidFill>
+                  <a:schemeClr val="tx1"/>
+                </a:solidFill>
+                <a:latin typeface="Helvetica" pitchFamily="2" charset="0"/>
+                <a:ea typeface="Helvetica Neue Medium" panose="02000503000000020004" pitchFamily="2" charset="0"/>
+                <a:cs typeface="Helvetica Neue Medium" panose="02000503000000020004" pitchFamily="2" charset="0"/>
+              </a:rPr>
+              <a:t>ravitational </a:t>
+            </a:r>
+            <a:r>
+              <a:rPr lang="en-US" sz="1800" b="1" dirty="0">
+                <a:solidFill>
+                  <a:schemeClr val="tx1"/>
+                </a:solidFill>
+                <a:latin typeface="Helvetica" pitchFamily="2" charset="0"/>
+                <a:ea typeface="Helvetica Neue Medium" panose="02000503000000020004" pitchFamily="2" charset="0"/>
+                <a:cs typeface="Helvetica Neue Medium" panose="02000503000000020004" pitchFamily="2" charset="0"/>
+              </a:rPr>
+              <a:t>field</a:t>
             </a:r>
           </a:p>
         </p:txBody>
